--- a/Phần 3-Kết Nối Cơ Sở Dữ Liệu Với Firebase, kết hợp React-Route.pptx
+++ b/Phần 3-Kết Nối Cơ Sở Dữ Liệu Với Firebase, kết hợp React-Route.pptx
@@ -881,7 +881,7 @@
             <a:fld id="{B61BEF0D-F0BB-DE4B-95CE-6DB70DBA9567}" type="datetimeFigureOut">
               <a:rPr lang="en-US" dirty="0"/>
               <a:pPr/>
-              <a:t>3/18/2019</a:t>
+              <a:t>3/21/2019</a:t>
             </a:fld>
             <a:endParaRPr lang="en-US" dirty="0"/>
           </a:p>
@@ -1129,7 +1129,7 @@
             <a:fld id="{B61BEF0D-F0BB-DE4B-95CE-6DB70DBA9567}" type="datetimeFigureOut">
               <a:rPr lang="en-US" dirty="0"/>
               <a:pPr/>
-              <a:t>3/18/2019</a:t>
+              <a:t>3/21/2019</a:t>
             </a:fld>
             <a:endParaRPr lang="en-US" dirty="0"/>
           </a:p>
@@ -1440,7 +1440,7 @@
             <a:fld id="{B61BEF0D-F0BB-DE4B-95CE-6DB70DBA9567}" type="datetimeFigureOut">
               <a:rPr lang="en-US" dirty="0"/>
               <a:pPr/>
-              <a:t>3/18/2019</a:t>
+              <a:t>3/21/2019</a:t>
             </a:fld>
             <a:endParaRPr lang="en-US" dirty="0"/>
           </a:p>
@@ -1770,7 +1770,7 @@
             <a:fld id="{B61BEF0D-F0BB-DE4B-95CE-6DB70DBA9567}" type="datetimeFigureOut">
               <a:rPr lang="en-US" dirty="0"/>
               <a:pPr/>
-              <a:t>3/18/2019</a:t>
+              <a:t>3/21/2019</a:t>
             </a:fld>
             <a:endParaRPr lang="en-US" dirty="0"/>
           </a:p>
@@ -2081,7 +2081,7 @@
             <a:fld id="{B61BEF0D-F0BB-DE4B-95CE-6DB70DBA9567}" type="datetimeFigureOut">
               <a:rPr lang="en-US" dirty="0"/>
               <a:pPr/>
-              <a:t>3/18/2019</a:t>
+              <a:t>3/21/2019</a:t>
             </a:fld>
             <a:endParaRPr lang="en-US" dirty="0"/>
           </a:p>
@@ -2471,7 +2471,7 @@
             <a:fld id="{B61BEF0D-F0BB-DE4B-95CE-6DB70DBA9567}" type="datetimeFigureOut">
               <a:rPr lang="en-US" dirty="0"/>
               <a:pPr/>
-              <a:t>3/18/2019</a:t>
+              <a:t>3/21/2019</a:t>
             </a:fld>
             <a:endParaRPr lang="en-US" dirty="0"/>
           </a:p>
@@ -2638,7 +2638,7 @@
             <a:fld id="{55C6B4A9-1611-4792-9094-5F34BCA07E0B}" type="datetimeFigureOut">
               <a:rPr lang="en-US" dirty="0"/>
               <a:pPr/>
-              <a:t>3/18/2019</a:t>
+              <a:t>3/21/2019</a:t>
             </a:fld>
             <a:endParaRPr lang="en-US" dirty="0"/>
           </a:p>
@@ -2815,7 +2815,7 @@
             <a:fld id="{B61BEF0D-F0BB-DE4B-95CE-6DB70DBA9567}" type="datetimeFigureOut">
               <a:rPr lang="en-US" dirty="0"/>
               <a:pPr/>
-              <a:t>3/18/2019</a:t>
+              <a:t>3/21/2019</a:t>
             </a:fld>
             <a:endParaRPr lang="en-US" dirty="0"/>
           </a:p>
@@ -2982,7 +2982,7 @@
             <a:fld id="{42A54C80-263E-416B-A8E0-580EDEADCBDC}" type="datetimeFigureOut">
               <a:rPr lang="en-US" dirty="0"/>
               <a:pPr/>
-              <a:t>3/18/2019</a:t>
+              <a:t>3/21/2019</a:t>
             </a:fld>
             <a:endParaRPr lang="en-US" dirty="0"/>
           </a:p>
@@ -3226,7 +3226,7 @@
             <a:fld id="{B61BEF0D-F0BB-DE4B-95CE-6DB70DBA9567}" type="datetimeFigureOut">
               <a:rPr lang="en-US" dirty="0"/>
               <a:pPr/>
-              <a:t>3/18/2019</a:t>
+              <a:t>3/21/2019</a:t>
             </a:fld>
             <a:endParaRPr lang="en-US" dirty="0"/>
           </a:p>
@@ -3455,7 +3455,7 @@
             <a:fld id="{42A54C80-263E-416B-A8E0-580EDEADCBDC}" type="datetimeFigureOut">
               <a:rPr lang="en-US" dirty="0"/>
               <a:pPr/>
-              <a:t>3/18/2019</a:t>
+              <a:t>3/21/2019</a:t>
             </a:fld>
             <a:endParaRPr lang="en-US" dirty="0"/>
           </a:p>
@@ -3826,7 +3826,7 @@
             <a:fld id="{B61BEF0D-F0BB-DE4B-95CE-6DB70DBA9567}" type="datetimeFigureOut">
               <a:rPr lang="en-US" dirty="0"/>
               <a:pPr/>
-              <a:t>3/18/2019</a:t>
+              <a:t>3/21/2019</a:t>
             </a:fld>
             <a:endParaRPr lang="en-US" dirty="0"/>
           </a:p>
@@ -3946,7 +3946,7 @@
             <a:fld id="{B61BEF0D-F0BB-DE4B-95CE-6DB70DBA9567}" type="datetimeFigureOut">
               <a:rPr lang="en-US" dirty="0"/>
               <a:pPr/>
-              <a:t>3/18/2019</a:t>
+              <a:t>3/21/2019</a:t>
             </a:fld>
             <a:endParaRPr lang="en-US" dirty="0"/>
           </a:p>
@@ -4038,7 +4038,7 @@
             <a:fld id="{B61BEF0D-F0BB-DE4B-95CE-6DB70DBA9567}" type="datetimeFigureOut">
               <a:rPr lang="en-US" dirty="0"/>
               <a:pPr/>
-              <a:t>3/18/2019</a:t>
+              <a:t>3/21/2019</a:t>
             </a:fld>
             <a:endParaRPr lang="en-US" dirty="0"/>
           </a:p>
@@ -4290,7 +4290,7 @@
             <a:fld id="{42A54C80-263E-416B-A8E0-580EDEADCBDC}" type="datetimeFigureOut">
               <a:rPr lang="en-US" dirty="0"/>
               <a:pPr/>
-              <a:t>3/18/2019</a:t>
+              <a:t>3/21/2019</a:t>
             </a:fld>
             <a:endParaRPr lang="en-US" dirty="0"/>
           </a:p>
@@ -4593,7 +4593,7 @@
             <a:fld id="{B61BEF0D-F0BB-DE4B-95CE-6DB70DBA9567}" type="datetimeFigureOut">
               <a:rPr lang="en-US" dirty="0"/>
               <a:pPr/>
-              <a:t>3/18/2019</a:t>
+              <a:t>3/21/2019</a:t>
             </a:fld>
             <a:endParaRPr lang="en-US" dirty="0"/>
           </a:p>
@@ -5291,7 +5291,7 @@
             <a:fld id="{B61BEF0D-F0BB-DE4B-95CE-6DB70DBA9567}" type="datetimeFigureOut">
               <a:rPr lang="en-US" dirty="0"/>
               <a:pPr/>
-              <a:t>3/18/2019</a:t>
+              <a:t>3/21/2019</a:t>
             </a:fld>
             <a:endParaRPr lang="en-US" dirty="0"/>
           </a:p>
